--- a/Semestr 3/Praca Przejściowa/Prezentacja Pracy.pptx
+++ b/Semestr 3/Praca Przejściowa/Prezentacja Pracy.pptx
@@ -205,7 +205,7 @@
           <a:p>
             <a:fld id="{1B71BC6C-4B4A-4541-87B7-0301BDFE5B86}" type="datetimeFigureOut">
               <a:rPr lang="pl-PL" smtClean="0"/>
-              <a:t>20.11.2025</a:t>
+              <a:t>21.11.2025</a:t>
             </a:fld>
             <a:endParaRPr lang="pl-PL"/>
           </a:p>
@@ -516,6 +516,46 @@
           <a:bodyPr/>
           <a:lstStyle/>
           <a:p>
+            <a:r>
+              <a:rPr lang="pl-PL" dirty="0"/>
+              <a:t>Bazy danych to kluczowy element infrastruktury IT – przechowują dane wrażliwe.</a:t>
+            </a:r>
+          </a:p>
+          <a:p>
+            <a:r>
+              <a:rPr lang="pl-PL" dirty="0"/>
+              <a:t>Rosnąca liczba incydentów (ataki </a:t>
+            </a:r>
+            <a:r>
+              <a:rPr lang="pl-PL" dirty="0" err="1"/>
+              <a:t>ransomware</a:t>
+            </a:r>
+            <a:r>
+              <a:rPr lang="pl-PL" dirty="0"/>
+              <a:t>, wycieki danych, nieautoryzowany dostęp).</a:t>
+            </a:r>
+          </a:p>
+          <a:p>
+            <a:r>
+              <a:rPr lang="pl-PL" dirty="0"/>
+              <a:t>Wzrost wymagań prawnych (RODO/GDPR, PCI-DSS).</a:t>
+            </a:r>
+          </a:p>
+          <a:p>
+            <a:r>
+              <a:rPr lang="pl-PL" dirty="0"/>
+              <a:t>Nowe modele przechowywania danych (SQL, </a:t>
+            </a:r>
+            <a:r>
+              <a:rPr lang="pl-PL" dirty="0" err="1"/>
+              <a:t>NoSQL</a:t>
+            </a:r>
+            <a:r>
+              <a:rPr lang="pl-PL" dirty="0"/>
+              <a:t>) → różne mechanizmy bezpieczeństwa i różne koszty ich stosowania.</a:t>
+            </a:r>
+          </a:p>
+          <a:p>
             <a:endParaRPr lang="pl-PL" dirty="0"/>
           </a:p>
         </p:txBody>
@@ -601,6 +641,422 @@
           <a:lstStyle/>
           <a:p>
             <a:r>
+              <a:rPr lang="pl-PL" b="1" dirty="0"/>
+              <a:t>Szyfrowanie danych:</a:t>
+            </a:r>
+            <a:r>
+              <a:rPr lang="pl-PL" dirty="0"/>
+              <a:t> TDE, szyfrowanie kolumnowe, </a:t>
+            </a:r>
+            <a:r>
+              <a:rPr lang="pl-PL" dirty="0" err="1"/>
+              <a:t>pgcrypto</a:t>
+            </a:r>
+            <a:r>
+              <a:rPr lang="pl-PL" dirty="0"/>
+              <a:t>, </a:t>
+            </a:r>
+            <a:r>
+              <a:rPr lang="pl-PL" dirty="0" err="1"/>
+              <a:t>MongoDB</a:t>
+            </a:r>
+            <a:r>
+              <a:rPr lang="pl-PL" dirty="0"/>
+              <a:t> </a:t>
+            </a:r>
+            <a:r>
+              <a:rPr lang="pl-PL" dirty="0" err="1"/>
+              <a:t>Encrypted</a:t>
+            </a:r>
+            <a:r>
+              <a:rPr lang="pl-PL" dirty="0"/>
+              <a:t> Fields</a:t>
+            </a:r>
+          </a:p>
+          <a:p>
+            <a:r>
+              <a:rPr lang="pl-PL" b="1" dirty="0"/>
+              <a:t>Maskowanie danych:</a:t>
+            </a:r>
+            <a:r>
+              <a:rPr lang="pl-PL" dirty="0"/>
+              <a:t> </a:t>
+            </a:r>
+            <a:r>
+              <a:rPr lang="pl-PL" dirty="0" err="1"/>
+              <a:t>dynamic</a:t>
+            </a:r>
+            <a:r>
+              <a:rPr lang="pl-PL" dirty="0"/>
+              <a:t> data </a:t>
+            </a:r>
+            <a:r>
+              <a:rPr lang="pl-PL" dirty="0" err="1"/>
+              <a:t>masking</a:t>
+            </a:r>
+            <a:r>
+              <a:rPr lang="pl-PL" dirty="0"/>
+              <a:t>, </a:t>
+            </a:r>
+            <a:r>
+              <a:rPr lang="pl-PL" dirty="0" err="1"/>
+              <a:t>static</a:t>
+            </a:r>
+            <a:r>
+              <a:rPr lang="pl-PL" dirty="0"/>
+              <a:t> </a:t>
+            </a:r>
+            <a:r>
+              <a:rPr lang="pl-PL" dirty="0" err="1"/>
+              <a:t>masking</a:t>
+            </a:r>
+            <a:endParaRPr lang="pl-PL" dirty="0"/>
+          </a:p>
+          <a:p>
+            <a:r>
+              <a:rPr lang="pl-PL" b="1" dirty="0"/>
+              <a:t>Kontrola dostępu:</a:t>
+            </a:r>
+            <a:r>
+              <a:rPr lang="pl-PL" dirty="0"/>
+              <a:t> role, polityki RLS (</a:t>
+            </a:r>
+            <a:r>
+              <a:rPr lang="pl-PL" dirty="0" err="1"/>
+              <a:t>Row</a:t>
+            </a:r>
+            <a:r>
+              <a:rPr lang="pl-PL" dirty="0"/>
+              <a:t>-Level Security), uprawnienia</a:t>
+            </a:r>
+          </a:p>
+          <a:p>
+            <a:r>
+              <a:rPr lang="pl-PL" b="1" dirty="0"/>
+              <a:t>Uwierzytelnianie:</a:t>
+            </a:r>
+            <a:r>
+              <a:rPr lang="pl-PL" dirty="0"/>
+              <a:t> logowanie hasłami, certyfikaty, </a:t>
+            </a:r>
+            <a:r>
+              <a:rPr lang="pl-PL" dirty="0" err="1"/>
+              <a:t>Kerberos</a:t>
+            </a:r>
+            <a:endParaRPr lang="pl-PL" dirty="0"/>
+          </a:p>
+          <a:p>
+            <a:r>
+              <a:rPr lang="pl-PL" b="1" dirty="0"/>
+              <a:t>Audyt i monitorowanie:</a:t>
+            </a:r>
+            <a:r>
+              <a:rPr lang="pl-PL" dirty="0"/>
+              <a:t> SQL Profiler, </a:t>
+            </a:r>
+            <a:r>
+              <a:rPr lang="pl-PL" dirty="0" err="1"/>
+              <a:t>PostgreSQL</a:t>
+            </a:r>
+            <a:r>
+              <a:rPr lang="pl-PL" dirty="0"/>
+              <a:t> </a:t>
+            </a:r>
+            <a:r>
+              <a:rPr lang="pl-PL" dirty="0" err="1"/>
+              <a:t>pgaudit</a:t>
+            </a:r>
+            <a:r>
+              <a:rPr lang="pl-PL" dirty="0"/>
+              <a:t>, Oracle AWR, </a:t>
+            </a:r>
+            <a:r>
+              <a:rPr lang="pl-PL" dirty="0" err="1"/>
+              <a:t>MongoDB</a:t>
+            </a:r>
+            <a:r>
+              <a:rPr lang="pl-PL" dirty="0"/>
+              <a:t> Atlas Monitor</a:t>
+            </a:r>
+          </a:p>
+          <a:p>
+            <a:endParaRPr lang="pl-PL" dirty="0"/>
+          </a:p>
+        </p:txBody>
+      </p:sp>
+      <p:sp>
+        <p:nvSpPr>
+          <p:cNvPr id="4" name="Symbol zastępczy numeru slajdu 3"/>
+          <p:cNvSpPr>
+            <a:spLocks noGrp="1"/>
+          </p:cNvSpPr>
+          <p:nvPr>
+            <p:ph type="sldNum" sz="quarter" idx="5"/>
+          </p:nvPr>
+        </p:nvSpPr>
+        <p:spPr/>
+        <p:txBody>
+          <a:bodyPr/>
+          <a:lstStyle/>
+          <a:p>
+            <a:fld id="{B31091BA-204C-4C80-AB7A-191F620FF16F}" type="slidenum">
+              <a:rPr lang="pl-PL" smtClean="0"/>
+              <a:t>3</a:t>
+            </a:fld>
+            <a:endParaRPr lang="pl-PL"/>
+          </a:p>
+        </p:txBody>
+      </p:sp>
+    </p:spTree>
+    <p:extLst>
+      <p:ext uri="{BB962C8B-B14F-4D97-AF65-F5344CB8AC3E}">
+        <p14:creationId xmlns:p14="http://schemas.microsoft.com/office/powerpoint/2010/main" val="3086223700"/>
+      </p:ext>
+    </p:extLst>
+  </p:cSld>
+  <p:clrMapOvr>
+    <a:masterClrMapping/>
+  </p:clrMapOvr>
+</p:notes>
+</file>
+
+<file path=ppt/notesSlides/notesSlide3.xml><?xml version="1.0" encoding="utf-8"?>
+<p:notes xmlns:a="http://schemas.openxmlformats.org/drawingml/2006/main" xmlns:r="http://schemas.openxmlformats.org/officeDocument/2006/relationships" xmlns:p="http://schemas.openxmlformats.org/presentationml/2006/main">
+  <p:cSld>
+    <p:spTree>
+      <p:nvGrpSpPr>
+        <p:cNvPr id="1" name=""/>
+        <p:cNvGrpSpPr/>
+        <p:nvPr/>
+      </p:nvGrpSpPr>
+      <p:grpSpPr>
+        <a:xfrm>
+          <a:off x="0" y="0"/>
+          <a:ext cx="0" cy="0"/>
+          <a:chOff x="0" y="0"/>
+          <a:chExt cx="0" cy="0"/>
+        </a:xfrm>
+      </p:grpSpPr>
+      <p:sp>
+        <p:nvSpPr>
+          <p:cNvPr id="2" name="Symbol zastępczy obrazu slajdu 1"/>
+          <p:cNvSpPr>
+            <a:spLocks noGrp="1" noRot="1" noChangeAspect="1"/>
+          </p:cNvSpPr>
+          <p:nvPr>
+            <p:ph type="sldImg"/>
+          </p:nvPr>
+        </p:nvSpPr>
+        <p:spPr/>
+      </p:sp>
+      <p:sp>
+        <p:nvSpPr>
+          <p:cNvPr id="3" name="Symbol zastępczy notatek 2"/>
+          <p:cNvSpPr>
+            <a:spLocks noGrp="1"/>
+          </p:cNvSpPr>
+          <p:nvPr>
+            <p:ph type="body" idx="1"/>
+          </p:nvPr>
+        </p:nvSpPr>
+        <p:spPr/>
+        <p:txBody>
+          <a:bodyPr/>
+          <a:lstStyle/>
+          <a:p>
+            <a:pPr marL="0" indent="0">
+              <a:buNone/>
+            </a:pPr>
+            <a:r>
+              <a:rPr lang="pl-PL" dirty="0"/>
+              <a:t>Na początku wykonam testy dla czystej bazy danych dla podstawowych DBMS (Select, insert itp.)</a:t>
+            </a:r>
+          </a:p>
+          <a:p>
+            <a:pPr marL="228600" indent="-228600">
+              <a:buAutoNum type="alphaUcPeriod"/>
+            </a:pPr>
+            <a:r>
+              <a:rPr lang="pl-PL" dirty="0"/>
+              <a:t>Dodanie szyfrowania danych (najważniejsze zabezpieczenie dla wydajności)</a:t>
+            </a:r>
+          </a:p>
+          <a:p>
+            <a:pPr marL="228600" indent="-228600">
+              <a:buAutoNum type="alphaUcPeriod"/>
+            </a:pPr>
+            <a:r>
+              <a:rPr lang="pl-PL" dirty="0"/>
+              <a:t>Dodanie kontroli dostępu i ról</a:t>
+            </a:r>
+          </a:p>
+          <a:p>
+            <a:pPr marL="228600" indent="-228600">
+              <a:buAutoNum type="alphaUcPeriod"/>
+            </a:pPr>
+            <a:r>
+              <a:rPr lang="en-US" dirty="0"/>
+              <a:t>Row-Level Security / Fine-Grained Access Control</a:t>
+            </a:r>
+            <a:endParaRPr lang="pl-PL" dirty="0"/>
+          </a:p>
+          <a:p>
+            <a:pPr marL="228600" indent="-228600">
+              <a:buAutoNum type="alphaUcPeriod"/>
+            </a:pPr>
+            <a:r>
+              <a:rPr lang="pl-PL" dirty="0"/>
+              <a:t>Maskowanie danych (</a:t>
+            </a:r>
+            <a:r>
+              <a:rPr lang="pl-PL" dirty="0" err="1"/>
+              <a:t>Dynamic</a:t>
+            </a:r>
+            <a:r>
+              <a:rPr lang="pl-PL" dirty="0"/>
+              <a:t> Data </a:t>
+            </a:r>
+            <a:r>
+              <a:rPr lang="pl-PL" dirty="0" err="1"/>
+              <a:t>Masking</a:t>
+            </a:r>
+            <a:r>
+              <a:rPr lang="pl-PL" dirty="0"/>
+              <a:t>)</a:t>
+            </a:r>
+          </a:p>
+          <a:p>
+            <a:pPr marL="228600" indent="-228600">
+              <a:buAutoNum type="alphaUcPeriod"/>
+            </a:pPr>
+            <a:r>
+              <a:rPr lang="pl-PL" dirty="0"/>
+              <a:t>Audyt i logowanie (</a:t>
+            </a:r>
+            <a:r>
+              <a:rPr lang="pl-PL" dirty="0" err="1"/>
+              <a:t>audit</a:t>
+            </a:r>
+            <a:r>
+              <a:rPr lang="pl-PL" dirty="0"/>
+              <a:t> </a:t>
+            </a:r>
+            <a:r>
+              <a:rPr lang="pl-PL" dirty="0" err="1"/>
+              <a:t>logging</a:t>
+            </a:r>
+            <a:r>
+              <a:rPr lang="pl-PL" dirty="0"/>
+              <a:t>)</a:t>
+            </a:r>
+          </a:p>
+          <a:p>
+            <a:pPr marL="0" indent="0">
+              <a:buNone/>
+            </a:pPr>
+            <a:r>
+              <a:rPr lang="pl-PL" dirty="0"/>
+              <a:t>W skrócie:</a:t>
+            </a:r>
+          </a:p>
+          <a:p>
+            <a:pPr marL="0" indent="0">
+              <a:buNone/>
+            </a:pPr>
+            <a:r>
+              <a:rPr lang="pl-PL" dirty="0"/>
+              <a:t>Dodanie zabezpieczeń polega na włączeniu szyfrowania, RLS, maskowania, audytu i kontroli dostępu. Potem wykonuję ten sam zestaw testów i porównuję wyniki</a:t>
+            </a:r>
+          </a:p>
+        </p:txBody>
+      </p:sp>
+      <p:sp>
+        <p:nvSpPr>
+          <p:cNvPr id="4" name="Symbol zastępczy numeru slajdu 3"/>
+          <p:cNvSpPr>
+            <a:spLocks noGrp="1"/>
+          </p:cNvSpPr>
+          <p:nvPr>
+            <p:ph type="sldNum" sz="quarter" idx="5"/>
+          </p:nvPr>
+        </p:nvSpPr>
+        <p:spPr/>
+        <p:txBody>
+          <a:bodyPr/>
+          <a:lstStyle/>
+          <a:p>
+            <a:fld id="{B31091BA-204C-4C80-AB7A-191F620FF16F}" type="slidenum">
+              <a:rPr lang="pl-PL" smtClean="0"/>
+              <a:t>4</a:t>
+            </a:fld>
+            <a:endParaRPr lang="pl-PL"/>
+          </a:p>
+        </p:txBody>
+      </p:sp>
+    </p:spTree>
+    <p:extLst>
+      <p:ext uri="{BB962C8B-B14F-4D97-AF65-F5344CB8AC3E}">
+        <p14:creationId xmlns:p14="http://schemas.microsoft.com/office/powerpoint/2010/main" val="501012911"/>
+      </p:ext>
+    </p:extLst>
+  </p:cSld>
+  <p:clrMapOvr>
+    <a:masterClrMapping/>
+  </p:clrMapOvr>
+</p:notes>
+</file>
+
+<file path=ppt/notesSlides/notesSlide4.xml><?xml version="1.0" encoding="utf-8"?>
+<p:notes xmlns:a="http://schemas.openxmlformats.org/drawingml/2006/main" xmlns:r="http://schemas.openxmlformats.org/officeDocument/2006/relationships" xmlns:p="http://schemas.openxmlformats.org/presentationml/2006/main">
+  <p:cSld>
+    <p:spTree>
+      <p:nvGrpSpPr>
+        <p:cNvPr id="1" name=""/>
+        <p:cNvGrpSpPr/>
+        <p:nvPr/>
+      </p:nvGrpSpPr>
+      <p:grpSpPr>
+        <a:xfrm>
+          <a:off x="0" y="0"/>
+          <a:ext cx="0" cy="0"/>
+          <a:chOff x="0" y="0"/>
+          <a:chExt cx="0" cy="0"/>
+        </a:xfrm>
+      </p:grpSpPr>
+      <p:sp>
+        <p:nvSpPr>
+          <p:cNvPr id="2" name="Symbol zastępczy obrazu slajdu 1"/>
+          <p:cNvSpPr>
+            <a:spLocks noGrp="1" noRot="1" noChangeAspect="1"/>
+          </p:cNvSpPr>
+          <p:nvPr>
+            <p:ph type="sldImg"/>
+          </p:nvPr>
+        </p:nvSpPr>
+        <p:spPr/>
+      </p:sp>
+      <p:sp>
+        <p:nvSpPr>
+          <p:cNvPr id="3" name="Symbol zastępczy notatek 2"/>
+          <p:cNvSpPr>
+            <a:spLocks noGrp="1"/>
+          </p:cNvSpPr>
+          <p:nvPr>
+            <p:ph type="body" idx="1"/>
+          </p:nvPr>
+        </p:nvSpPr>
+        <p:spPr/>
+        <p:txBody>
+          <a:bodyPr/>
+          <a:lstStyle/>
+          <a:p>
+            <a:r>
+              <a:rPr lang="pl-PL" dirty="0"/>
+              <a:t>Zakres prac:</a:t>
+            </a:r>
+          </a:p>
+          <a:p>
+            <a:r>
               <a:rPr lang="pl-PL" dirty="0"/>
               <a:t>wybór systemów: </a:t>
             </a:r>
@@ -718,7 +1174,7 @@
 </p:notes>
 </file>
 
-<file path=ppt/notesSlides/notesSlide3.xml><?xml version="1.0" encoding="utf-8"?>
+<file path=ppt/notesSlides/notesSlide5.xml><?xml version="1.0" encoding="utf-8"?>
 <p:notes xmlns:a="http://schemas.openxmlformats.org/drawingml/2006/main" xmlns:r="http://schemas.openxmlformats.org/officeDocument/2006/relationships" xmlns:p="http://schemas.openxmlformats.org/presentationml/2006/main">
   <p:cSld>
     <p:spTree>
@@ -1044,7 +1500,7 @@
           <a:p>
             <a:fld id="{47D3CB15-333E-450F-947C-C80B5DE457BA}" type="datetime1">
               <a:rPr lang="pl-PL" smtClean="0"/>
-              <a:t>20.11.2025</a:t>
+              <a:t>21.11.2025</a:t>
             </a:fld>
             <a:endParaRPr lang="pl-PL"/>
           </a:p>
@@ -1252,7 +1708,7 @@
           <a:p>
             <a:fld id="{9003E9C1-D23A-4B24-9A99-6B9802BF7499}" type="datetime1">
               <a:rPr lang="pl-PL" smtClean="0"/>
-              <a:t>20.11.2025</a:t>
+              <a:t>21.11.2025</a:t>
             </a:fld>
             <a:endParaRPr lang="pl-PL"/>
           </a:p>
@@ -1510,7 +1966,7 @@
           <a:p>
             <a:fld id="{5F5E8C0F-8D45-4A81-97BE-F8B80368AE42}" type="datetime1">
               <a:rPr lang="pl-PL" smtClean="0"/>
-              <a:t>20.11.2025</a:t>
+              <a:t>21.11.2025</a:t>
             </a:fld>
             <a:endParaRPr lang="pl-PL"/>
           </a:p>
@@ -1680,7 +2136,7 @@
           <a:p>
             <a:fld id="{C680DB1F-AA95-4C22-BFA0-464935364FF4}" type="datetime1">
               <a:rPr lang="pl-PL" smtClean="0"/>
-              <a:t>20.11.2025</a:t>
+              <a:t>21.11.2025</a:t>
             </a:fld>
             <a:endParaRPr lang="pl-PL"/>
           </a:p>
@@ -2017,7 +2473,7 @@
           <a:p>
             <a:fld id="{FEDAB4D9-C3F0-4F4C-92D7-796AC7FE8FA8}" type="datetime1">
               <a:rPr lang="pl-PL" smtClean="0"/>
-              <a:t>20.11.2025</a:t>
+              <a:t>21.11.2025</a:t>
             </a:fld>
             <a:endParaRPr lang="pl-PL"/>
           </a:p>
@@ -2292,7 +2748,7 @@
           <a:p>
             <a:fld id="{A4AD41DF-2611-4B86-9942-87F5DEDB61CA}" type="datetime1">
               <a:rPr lang="pl-PL" smtClean="0"/>
-              <a:t>20.11.2025</a:t>
+              <a:t>21.11.2025</a:t>
             </a:fld>
             <a:endParaRPr lang="pl-PL"/>
           </a:p>
@@ -2671,7 +3127,7 @@
           <a:p>
             <a:fld id="{D6BEE58A-C072-49DC-8C6F-DD6C3CC04AFD}" type="datetime1">
               <a:rPr lang="pl-PL" smtClean="0"/>
-              <a:t>20.11.2025</a:t>
+              <a:t>21.11.2025</a:t>
             </a:fld>
             <a:endParaRPr lang="pl-PL"/>
           </a:p>
@@ -2789,7 +3245,7 @@
           <a:p>
             <a:fld id="{BA91A69F-C82D-4606-8005-5203626945D6}" type="datetime1">
               <a:rPr lang="pl-PL" smtClean="0"/>
-              <a:t>20.11.2025</a:t>
+              <a:t>21.11.2025</a:t>
             </a:fld>
             <a:endParaRPr lang="pl-PL"/>
           </a:p>
@@ -2976,7 +3432,7 @@
           <a:p>
             <a:fld id="{CE35A607-C589-4800-9F3A-E8D6612EC159}" type="datetime1">
               <a:rPr lang="pl-PL" smtClean="0"/>
-              <a:t>20.11.2025</a:t>
+              <a:t>21.11.2025</a:t>
             </a:fld>
             <a:endParaRPr lang="pl-PL"/>
           </a:p>
@@ -3332,7 +3788,7 @@
           <a:p>
             <a:fld id="{C3BF5567-5B93-48EF-AD38-143A70556E72}" type="datetime1">
               <a:rPr lang="pl-PL" smtClean="0"/>
-              <a:t>20.11.2025</a:t>
+              <a:t>21.11.2025</a:t>
             </a:fld>
             <a:endParaRPr lang="pl-PL"/>
           </a:p>
@@ -3711,7 +4167,7 @@
           <a:p>
             <a:fld id="{290C2B36-BDE8-4F26-82A0-231C25BE046B}" type="datetime1">
               <a:rPr lang="pl-PL" smtClean="0"/>
-              <a:t>20.11.2025</a:t>
+              <a:t>21.11.2025</a:t>
             </a:fld>
             <a:endParaRPr lang="pl-PL"/>
           </a:p>
@@ -4014,7 +4470,7 @@
           <a:p>
             <a:fld id="{9E7CEC31-770E-42E4-A32A-D37B78A4CE48}" type="datetime1">
               <a:rPr lang="pl-PL" smtClean="0"/>
-              <a:t>20.11.2025</a:t>
+              <a:t>21.11.2025</a:t>
             </a:fld>
             <a:endParaRPr lang="pl-PL"/>
           </a:p>
@@ -5048,6 +5504,18 @@
   <p:clrMapOvr>
     <a:masterClrMapping/>
   </p:clrMapOvr>
+  <mc:AlternateContent xmlns:mc="http://schemas.openxmlformats.org/markup-compatibility/2006" xmlns:p14="http://schemas.microsoft.com/office/powerpoint/2010/main">
+    <mc:Choice Requires="p14">
+      <p:transition spd="med" p14:dur="700">
+        <p:fade/>
+      </p:transition>
+    </mc:Choice>
+    <mc:Fallback xmlns="">
+      <p:transition spd="med">
+        <p:fade/>
+      </p:transition>
+    </mc:Fallback>
+  </mc:AlternateContent>
 </p:sld>
 </file>
 
@@ -5241,6 +5709,18 @@
   <p:clrMapOvr>
     <a:masterClrMapping/>
   </p:clrMapOvr>
+  <mc:AlternateContent xmlns:mc="http://schemas.openxmlformats.org/markup-compatibility/2006" xmlns:p14="http://schemas.microsoft.com/office/powerpoint/2010/main">
+    <mc:Choice Requires="p14">
+      <p:transition spd="med" p14:dur="700">
+        <p:fade/>
+      </p:transition>
+    </mc:Choice>
+    <mc:Fallback xmlns="">
+      <p:transition spd="med">
+        <p:fade/>
+      </p:transition>
+    </mc:Fallback>
+  </mc:AlternateContent>
 </p:sld>
 </file>
 
@@ -5467,7 +5947,7 @@
           <p:nvPr/>
         </p:nvPicPr>
         <p:blipFill>
-          <a:blip r:embed="rId2">
+          <a:blip r:embed="rId3">
             <a:extLst>
               <a:ext uri="{28A0092B-C50C-407E-A947-70E740481C1C}">
                 <a14:useLocalDpi xmlns:a14="http://schemas.microsoft.com/office/drawing/2010/main" val="0"/>
@@ -5498,6 +5978,18 @@
   <p:clrMapOvr>
     <a:masterClrMapping/>
   </p:clrMapOvr>
+  <mc:AlternateContent xmlns:mc="http://schemas.openxmlformats.org/markup-compatibility/2006" xmlns:p14="http://schemas.microsoft.com/office/powerpoint/2010/main">
+    <mc:Choice Requires="p14">
+      <p:transition spd="med" p14:dur="700">
+        <p:fade/>
+      </p:transition>
+    </mc:Choice>
+    <mc:Fallback xmlns="">
+      <p:transition spd="med">
+        <p:fade/>
+      </p:transition>
+    </mc:Fallback>
+  </mc:AlternateContent>
 </p:sld>
 </file>
 
@@ -5680,6 +6172,18 @@
   <p:clrMapOvr>
     <a:masterClrMapping/>
   </p:clrMapOvr>
+  <mc:AlternateContent xmlns:mc="http://schemas.openxmlformats.org/markup-compatibility/2006" xmlns:p14="http://schemas.microsoft.com/office/powerpoint/2010/main">
+    <mc:Choice Requires="p14">
+      <p:transition spd="med" p14:dur="700">
+        <p:fade/>
+      </p:transition>
+    </mc:Choice>
+    <mc:Fallback xmlns="">
+      <p:transition spd="med">
+        <p:fade/>
+      </p:transition>
+    </mc:Fallback>
+  </mc:AlternateContent>
 </p:sld>
 </file>
 
@@ -5953,6 +6457,18 @@
   <p:clrMapOvr>
     <a:masterClrMapping/>
   </p:clrMapOvr>
+  <mc:AlternateContent xmlns:mc="http://schemas.openxmlformats.org/markup-compatibility/2006" xmlns:p14="http://schemas.microsoft.com/office/powerpoint/2010/main">
+    <mc:Choice Requires="p14">
+      <p:transition spd="med" p14:dur="700">
+        <p:fade/>
+      </p:transition>
+    </mc:Choice>
+    <mc:Fallback xmlns="">
+      <p:transition spd="med">
+        <p:fade/>
+      </p:transition>
+    </mc:Fallback>
+  </mc:AlternateContent>
 </p:sld>
 </file>
 
@@ -6536,6 +7052,18 @@
   <p:clrMapOvr>
     <a:masterClrMapping/>
   </p:clrMapOvr>
+  <mc:AlternateContent xmlns:mc="http://schemas.openxmlformats.org/markup-compatibility/2006" xmlns:p14="http://schemas.microsoft.com/office/powerpoint/2010/main">
+    <mc:Choice Requires="p14">
+      <p:transition spd="med" p14:dur="700">
+        <p:fade/>
+      </p:transition>
+    </mc:Choice>
+    <mc:Fallback xmlns="">
+      <p:transition spd="med">
+        <p:fade/>
+      </p:transition>
+    </mc:Fallback>
+  </mc:AlternateContent>
 </p:sld>
 </file>
 
@@ -6732,6 +7260,18 @@
   <p:clrMapOvr>
     <a:masterClrMapping/>
   </p:clrMapOvr>
+  <mc:AlternateContent xmlns:mc="http://schemas.openxmlformats.org/markup-compatibility/2006" xmlns:p14="http://schemas.microsoft.com/office/powerpoint/2010/main">
+    <mc:Choice Requires="p14">
+      <p:transition spd="med" p14:dur="700">
+        <p:fade/>
+      </p:transition>
+    </mc:Choice>
+    <mc:Fallback xmlns="">
+      <p:transition spd="med">
+        <p:fade/>
+      </p:transition>
+    </mc:Fallback>
+  </mc:AlternateContent>
 </p:sld>
 </file>
 
@@ -7516,6 +8056,18 @@
   <p:clrMapOvr>
     <a:masterClrMapping/>
   </p:clrMapOvr>
+  <mc:AlternateContent xmlns:mc="http://schemas.openxmlformats.org/markup-compatibility/2006" xmlns:p14="http://schemas.microsoft.com/office/powerpoint/2010/main">
+    <mc:Choice Requires="p14">
+      <p:transition spd="med" p14:dur="700">
+        <p:fade/>
+      </p:transition>
+    </mc:Choice>
+    <mc:Fallback xmlns="">
+      <p:transition spd="med">
+        <p:fade/>
+      </p:transition>
+    </mc:Fallback>
+  </mc:AlternateContent>
 </p:sld>
 </file>
 
@@ -7694,6 +8246,18 @@
   <p:clrMapOvr>
     <a:masterClrMapping/>
   </p:clrMapOvr>
+  <mc:AlternateContent xmlns:mc="http://schemas.openxmlformats.org/markup-compatibility/2006" xmlns:p14="http://schemas.microsoft.com/office/powerpoint/2010/main">
+    <mc:Choice Requires="p14">
+      <p:transition spd="med" p14:dur="700">
+        <p:fade/>
+      </p:transition>
+    </mc:Choice>
+    <mc:Fallback xmlns="">
+      <p:transition spd="med">
+        <p:fade/>
+      </p:transition>
+    </mc:Fallback>
+  </mc:AlternateContent>
 </p:sld>
 </file>
 
